--- a/2024-04-15/03_ESPHome SperlBox.pptx
+++ b/2024-04-15/03_ESPHome SperlBox.pptx
@@ -303,7 +303,7 @@
               <a:pPr>
                 <a:defRPr/>
               </a:pPr>
-              <a:t>11.04.2024</a:t>
+              <a:t>16.04.2024</a:t>
             </a:fld>
             <a:endParaRPr lang="de-AT"/>
           </a:p>
@@ -518,7 +518,7 @@
               <a:pPr>
                 <a:defRPr/>
               </a:pPr>
-              <a:t>11.04.2024</a:t>
+              <a:t>15.04.2024</a:t>
             </a:fld>
             <a:endParaRPr lang="de-AT"/>
           </a:p>
